--- a/slides/Conceitos e Fundamentos de CSS.pptx
+++ b/slides/Conceitos e Fundamentos de CSS.pptx
@@ -14,12 +14,13 @@
     <p:sldId id="259" r:id="rId8"/>
     <p:sldId id="270" r:id="rId9"/>
     <p:sldId id="264" r:id="rId10"/>
-    <p:sldId id="265" r:id="rId11"/>
-    <p:sldId id="260" r:id="rId12"/>
-    <p:sldId id="266" r:id="rId13"/>
-    <p:sldId id="261" r:id="rId14"/>
-    <p:sldId id="267" r:id="rId15"/>
-    <p:sldId id="268" r:id="rId16"/>
+    <p:sldId id="271" r:id="rId11"/>
+    <p:sldId id="265" r:id="rId12"/>
+    <p:sldId id="260" r:id="rId13"/>
+    <p:sldId id="266" r:id="rId14"/>
+    <p:sldId id="261" r:id="rId15"/>
+    <p:sldId id="267" r:id="rId16"/>
+    <p:sldId id="268" r:id="rId17"/>
   </p:sldIdLst>
   <p:sldSz cx="12192000" cy="6858000"/>
   <p:notesSz cx="6858000" cy="9144000"/>
@@ -273,7 +274,7 @@
           <a:p>
             <a:fld id="{223A5DBD-1EBE-4643-A93F-EF93273982E1}" type="datetimeFigureOut">
               <a:rPr lang="pt-BR" smtClean="0"/>
-              <a:t>27/02/2024</a:t>
+              <a:t>13/08/2024</a:t>
             </a:fld>
             <a:endParaRPr lang="pt-BR"/>
           </a:p>
@@ -471,7 +472,7 @@
           <a:p>
             <a:fld id="{223A5DBD-1EBE-4643-A93F-EF93273982E1}" type="datetimeFigureOut">
               <a:rPr lang="pt-BR" smtClean="0"/>
-              <a:t>27/02/2024</a:t>
+              <a:t>13/08/2024</a:t>
             </a:fld>
             <a:endParaRPr lang="pt-BR"/>
           </a:p>
@@ -679,7 +680,7 @@
           <a:p>
             <a:fld id="{223A5DBD-1EBE-4643-A93F-EF93273982E1}" type="datetimeFigureOut">
               <a:rPr lang="pt-BR" smtClean="0"/>
-              <a:t>27/02/2024</a:t>
+              <a:t>13/08/2024</a:t>
             </a:fld>
             <a:endParaRPr lang="pt-BR"/>
           </a:p>
@@ -877,7 +878,7 @@
           <a:p>
             <a:fld id="{223A5DBD-1EBE-4643-A93F-EF93273982E1}" type="datetimeFigureOut">
               <a:rPr lang="pt-BR" smtClean="0"/>
-              <a:t>27/02/2024</a:t>
+              <a:t>13/08/2024</a:t>
             </a:fld>
             <a:endParaRPr lang="pt-BR"/>
           </a:p>
@@ -1152,7 +1153,7 @@
           <a:p>
             <a:fld id="{223A5DBD-1EBE-4643-A93F-EF93273982E1}" type="datetimeFigureOut">
               <a:rPr lang="pt-BR" smtClean="0"/>
-              <a:t>27/02/2024</a:t>
+              <a:t>13/08/2024</a:t>
             </a:fld>
             <a:endParaRPr lang="pt-BR"/>
           </a:p>
@@ -1417,7 +1418,7 @@
           <a:p>
             <a:fld id="{223A5DBD-1EBE-4643-A93F-EF93273982E1}" type="datetimeFigureOut">
               <a:rPr lang="pt-BR" smtClean="0"/>
-              <a:t>27/02/2024</a:t>
+              <a:t>13/08/2024</a:t>
             </a:fld>
             <a:endParaRPr lang="pt-BR"/>
           </a:p>
@@ -1829,7 +1830,7 @@
           <a:p>
             <a:fld id="{223A5DBD-1EBE-4643-A93F-EF93273982E1}" type="datetimeFigureOut">
               <a:rPr lang="pt-BR" smtClean="0"/>
-              <a:t>27/02/2024</a:t>
+              <a:t>13/08/2024</a:t>
             </a:fld>
             <a:endParaRPr lang="pt-BR"/>
           </a:p>
@@ -1970,7 +1971,7 @@
           <a:p>
             <a:fld id="{223A5DBD-1EBE-4643-A93F-EF93273982E1}" type="datetimeFigureOut">
               <a:rPr lang="pt-BR" smtClean="0"/>
-              <a:t>27/02/2024</a:t>
+              <a:t>13/08/2024</a:t>
             </a:fld>
             <a:endParaRPr lang="pt-BR"/>
           </a:p>
@@ -2083,7 +2084,7 @@
           <a:p>
             <a:fld id="{223A5DBD-1EBE-4643-A93F-EF93273982E1}" type="datetimeFigureOut">
               <a:rPr lang="pt-BR" smtClean="0"/>
-              <a:t>27/02/2024</a:t>
+              <a:t>13/08/2024</a:t>
             </a:fld>
             <a:endParaRPr lang="pt-BR"/>
           </a:p>
@@ -2394,7 +2395,7 @@
           <a:p>
             <a:fld id="{223A5DBD-1EBE-4643-A93F-EF93273982E1}" type="datetimeFigureOut">
               <a:rPr lang="pt-BR" smtClean="0"/>
-              <a:t>27/02/2024</a:t>
+              <a:t>13/08/2024</a:t>
             </a:fld>
             <a:endParaRPr lang="pt-BR"/>
           </a:p>
@@ -2682,7 +2683,7 @@
           <a:p>
             <a:fld id="{223A5DBD-1EBE-4643-A93F-EF93273982E1}" type="datetimeFigureOut">
               <a:rPr lang="pt-BR" smtClean="0"/>
-              <a:t>27/02/2024</a:t>
+              <a:t>13/08/2024</a:t>
             </a:fld>
             <a:endParaRPr lang="pt-BR"/>
           </a:p>
@@ -2923,7 +2924,7 @@
           <a:p>
             <a:fld id="{223A5DBD-1EBE-4643-A93F-EF93273982E1}" type="datetimeFigureOut">
               <a:rPr lang="pt-BR" smtClean="0"/>
-              <a:t>27/02/2024</a:t>
+              <a:t>13/08/2024</a:t>
             </a:fld>
             <a:endParaRPr lang="pt-BR"/>
           </a:p>
@@ -3428,6 +3429,146 @@
           <p:cNvPr id="2" name="Título 1">
             <a:extLst>
               <a:ext uri="{FF2B5EF4-FFF2-40B4-BE49-F238E27FC236}">
+                <a16:creationId xmlns:a16="http://schemas.microsoft.com/office/drawing/2014/main" id="{B621D8F2-21B6-504C-75FF-0BE994E35439}"/>
+              </a:ext>
+            </a:extLst>
+          </p:cNvPr>
+          <p:cNvSpPr>
+            <a:spLocks noGrp="1"/>
+          </p:cNvSpPr>
+          <p:nvPr>
+            <p:ph type="title"/>
+          </p:nvPr>
+        </p:nvSpPr>
+        <p:spPr/>
+        <p:txBody>
+          <a:bodyPr/>
+          <a:lstStyle/>
+          <a:p>
+            <a:endParaRPr lang="pt-BR"/>
+          </a:p>
+        </p:txBody>
+      </p:sp>
+      <p:sp>
+        <p:nvSpPr>
+          <p:cNvPr id="3" name="Espaço Reservado para Conteúdo 2">
+            <a:extLst>
+              <a:ext uri="{FF2B5EF4-FFF2-40B4-BE49-F238E27FC236}">
+                <a16:creationId xmlns:a16="http://schemas.microsoft.com/office/drawing/2014/main" id="{799D84CD-4922-32E1-479A-BA03ED488FFE}"/>
+              </a:ext>
+            </a:extLst>
+          </p:cNvPr>
+          <p:cNvSpPr>
+            <a:spLocks noGrp="1"/>
+          </p:cNvSpPr>
+          <p:nvPr>
+            <p:ph idx="1"/>
+          </p:nvPr>
+        </p:nvSpPr>
+        <p:spPr/>
+        <p:txBody>
+          <a:bodyPr/>
+          <a:lstStyle/>
+          <a:p>
+            <a:endParaRPr lang="pt-BR"/>
+          </a:p>
+        </p:txBody>
+      </p:sp>
+      <p:pic>
+        <p:nvPicPr>
+          <p:cNvPr id="5" name="Imagem 4">
+            <a:extLst>
+              <a:ext uri="{FF2B5EF4-FFF2-40B4-BE49-F238E27FC236}">
+                <a16:creationId xmlns:a16="http://schemas.microsoft.com/office/drawing/2014/main" id="{ED59FE0D-5152-E70E-68C3-6B5573C32D9A}"/>
+              </a:ext>
+            </a:extLst>
+          </p:cNvPr>
+          <p:cNvPicPr>
+            <a:picLocks noChangeAspect="1"/>
+          </p:cNvPicPr>
+          <p:nvPr/>
+        </p:nvPicPr>
+        <p:blipFill>
+          <a:blip r:embed="rId2"/>
+          <a:stretch>
+            <a:fillRect/>
+          </a:stretch>
+        </p:blipFill>
+        <p:spPr>
+          <a:xfrm>
+            <a:off x="189802" y="681037"/>
+            <a:ext cx="7073118" cy="4520059"/>
+          </a:xfrm>
+          <a:prstGeom prst="rect">
+            <a:avLst/>
+          </a:prstGeom>
+        </p:spPr>
+      </p:pic>
+      <p:pic>
+        <p:nvPicPr>
+          <p:cNvPr id="7" name="Imagem 6">
+            <a:extLst>
+              <a:ext uri="{FF2B5EF4-FFF2-40B4-BE49-F238E27FC236}">
+                <a16:creationId xmlns:a16="http://schemas.microsoft.com/office/drawing/2014/main" id="{2D038B4A-0638-CF0D-0D00-EFE9B0FBB181}"/>
+              </a:ext>
+            </a:extLst>
+          </p:cNvPr>
+          <p:cNvPicPr>
+            <a:picLocks noChangeAspect="1"/>
+          </p:cNvPicPr>
+          <p:nvPr/>
+        </p:nvPicPr>
+        <p:blipFill>
+          <a:blip r:embed="rId3"/>
+          <a:stretch>
+            <a:fillRect/>
+          </a:stretch>
+        </p:blipFill>
+        <p:spPr>
+          <a:xfrm>
+            <a:off x="6610202" y="3663499"/>
+            <a:ext cx="5135467" cy="2737301"/>
+          </a:xfrm>
+          <a:prstGeom prst="rect">
+            <a:avLst/>
+          </a:prstGeom>
+        </p:spPr>
+      </p:pic>
+    </p:spTree>
+    <p:extLst>
+      <p:ext uri="{BB962C8B-B14F-4D97-AF65-F5344CB8AC3E}">
+        <p14:creationId xmlns:p14="http://schemas.microsoft.com/office/powerpoint/2010/main" val="1295649842"/>
+      </p:ext>
+    </p:extLst>
+  </p:cSld>
+  <p:clrMapOvr>
+    <a:masterClrMapping/>
+  </p:clrMapOvr>
+</p:sld>
+</file>
+
+<file path=ppt/slides/slide11.xml><?xml version="1.0" encoding="utf-8"?>
+<p:sld xmlns:a="http://schemas.openxmlformats.org/drawingml/2006/main" xmlns:r="http://schemas.openxmlformats.org/officeDocument/2006/relationships" xmlns:p="http://schemas.openxmlformats.org/presentationml/2006/main">
+  <p:cSld>
+    <p:spTree>
+      <p:nvGrpSpPr>
+        <p:cNvPr id="1" name=""/>
+        <p:cNvGrpSpPr/>
+        <p:nvPr/>
+      </p:nvGrpSpPr>
+      <p:grpSpPr>
+        <a:xfrm>
+          <a:off x="0" y="0"/>
+          <a:ext cx="0" cy="0"/>
+          <a:chOff x="0" y="0"/>
+          <a:chExt cx="0" cy="0"/>
+        </a:xfrm>
+      </p:grpSpPr>
+      <p:sp>
+        <p:nvSpPr>
+          <p:cNvPr id="2" name="Título 1">
+            <a:extLst>
+              <a:ext uri="{FF2B5EF4-FFF2-40B4-BE49-F238E27FC236}">
                 <a16:creationId xmlns:a16="http://schemas.microsoft.com/office/drawing/2014/main" id="{DC2BB764-0894-89C5-5D0E-CAC6C5A24293}"/>
               </a:ext>
             </a:extLst>
@@ -3589,7 +3730,7 @@
 </p:sld>
 </file>
 
-<file path=ppt/slides/slide11.xml><?xml version="1.0" encoding="utf-8"?>
+<file path=ppt/slides/slide12.xml><?xml version="1.0" encoding="utf-8"?>
 <p:sld xmlns:a="http://schemas.openxmlformats.org/drawingml/2006/main" xmlns:r="http://schemas.openxmlformats.org/officeDocument/2006/relationships" xmlns:p="http://schemas.openxmlformats.org/presentationml/2006/main">
   <p:cSld>
     <p:spTree>
@@ -3754,7 +3895,7 @@
 </p:sld>
 </file>
 
-<file path=ppt/slides/slide12.xml><?xml version="1.0" encoding="utf-8"?>
+<file path=ppt/slides/slide13.xml><?xml version="1.0" encoding="utf-8"?>
 <p:sld xmlns:a="http://schemas.openxmlformats.org/drawingml/2006/main" xmlns:r="http://schemas.openxmlformats.org/officeDocument/2006/relationships" xmlns:p="http://schemas.openxmlformats.org/presentationml/2006/main">
   <p:cSld>
     <p:spTree>
@@ -4116,7 +4257,7 @@
 </p:sld>
 </file>
 
-<file path=ppt/slides/slide13.xml><?xml version="1.0" encoding="utf-8"?>
+<file path=ppt/slides/slide14.xml><?xml version="1.0" encoding="utf-8"?>
 <p:sld xmlns:a="http://schemas.openxmlformats.org/drawingml/2006/main" xmlns:r="http://schemas.openxmlformats.org/officeDocument/2006/relationships" xmlns:p="http://schemas.openxmlformats.org/presentationml/2006/main">
   <p:cSld>
     <p:spTree>
@@ -4374,7 +4515,7 @@
 </p:sld>
 </file>
 
-<file path=ppt/slides/slide14.xml><?xml version="1.0" encoding="utf-8"?>
+<file path=ppt/slides/slide15.xml><?xml version="1.0" encoding="utf-8"?>
 <p:sld xmlns:a="http://schemas.openxmlformats.org/drawingml/2006/main" xmlns:r="http://schemas.openxmlformats.org/officeDocument/2006/relationships" xmlns:p="http://schemas.openxmlformats.org/presentationml/2006/main">
   <p:cSld>
     <p:spTree>
@@ -4536,7 +4677,7 @@
 </p:sld>
 </file>
 
-<file path=ppt/slides/slide15.xml><?xml version="1.0" encoding="utf-8"?>
+<file path=ppt/slides/slide16.xml><?xml version="1.0" encoding="utf-8"?>
 <p:sld xmlns:a="http://schemas.openxmlformats.org/drawingml/2006/main" xmlns:r="http://schemas.openxmlformats.org/officeDocument/2006/relationships" xmlns:p="http://schemas.openxmlformats.org/presentationml/2006/main">
   <p:cSld>
     <p:spTree>
@@ -7187,66 +7328,6 @@
               </a14:hiddenFill>
             </a:ext>
           </a:extLst>
-        </p:spPr>
-      </p:pic>
-      <p:pic>
-        <p:nvPicPr>
-          <p:cNvPr id="5" name="Imagem 4">
-            <a:extLst>
-              <a:ext uri="{FF2B5EF4-FFF2-40B4-BE49-F238E27FC236}">
-                <a16:creationId xmlns:a16="http://schemas.microsoft.com/office/drawing/2014/main" id="{E5A3629C-07BA-0DF7-6989-5FC71FE05355}"/>
-              </a:ext>
-            </a:extLst>
-          </p:cNvPr>
-          <p:cNvPicPr>
-            <a:picLocks noChangeAspect="1"/>
-          </p:cNvPicPr>
-          <p:nvPr/>
-        </p:nvPicPr>
-        <p:blipFill>
-          <a:blip r:embed="rId3"/>
-          <a:stretch>
-            <a:fillRect/>
-          </a:stretch>
-        </p:blipFill>
-        <p:spPr>
-          <a:xfrm>
-            <a:off x="7314946" y="2647817"/>
-            <a:ext cx="3639058" cy="1905266"/>
-          </a:xfrm>
-          <a:prstGeom prst="rect">
-            <a:avLst/>
-          </a:prstGeom>
-        </p:spPr>
-      </p:pic>
-      <p:pic>
-        <p:nvPicPr>
-          <p:cNvPr id="7" name="Imagem 6">
-            <a:extLst>
-              <a:ext uri="{FF2B5EF4-FFF2-40B4-BE49-F238E27FC236}">
-                <a16:creationId xmlns:a16="http://schemas.microsoft.com/office/drawing/2014/main" id="{423858E5-9CA0-E169-5320-B584520A2E4D}"/>
-              </a:ext>
-            </a:extLst>
-          </p:cNvPr>
-          <p:cNvPicPr>
-            <a:picLocks noChangeAspect="1"/>
-          </p:cNvPicPr>
-          <p:nvPr/>
-        </p:nvPicPr>
-        <p:blipFill>
-          <a:blip r:embed="rId4"/>
-          <a:stretch>
-            <a:fillRect/>
-          </a:stretch>
-        </p:blipFill>
-        <p:spPr>
-          <a:xfrm>
-            <a:off x="8505332" y="4181101"/>
-            <a:ext cx="3534268" cy="2676899"/>
-          </a:xfrm>
-          <a:prstGeom prst="rect">
-            <a:avLst/>
-          </a:prstGeom>
         </p:spPr>
       </p:pic>
     </p:spTree>
